--- a/first.txt.pptx
+++ b/first.txt.pptx
@@ -3403,13 +3403,23 @@
           <a:p>
             <a:r>
               <a:rPr lang="en-US" dirty="0"/>
-              <a:t>The legend of the game. Game </a:t>
-            </a:r>
-            <a:r>
-              <a:rPr lang="en-US"/>
-              <a:t>is played</a:t>
-            </a:r>
-            <a:endParaRPr lang="en-IN"/>
+              <a:t>The legend of the game. Game is played</a:t>
+            </a:r>
+          </a:p>
+          <a:p>
+            <a:r>
+              <a:rPr lang="en-US" dirty="0" err="1"/>
+              <a:t>Aswwer</a:t>
+            </a:r>
+            <a:r>
+              <a:rPr lang="en-US" dirty="0"/>
+              <a:t> </a:t>
+            </a:r>
+            <a:r>
+              <a:rPr lang="en-US"/>
+              <a:t>the git</a:t>
+            </a:r>
+            <a:endParaRPr lang="en-IN" dirty="0"/>
           </a:p>
         </p:txBody>
       </p:sp>

--- a/first.txt.pptx
+++ b/first.txt.pptx
@@ -3403,23 +3403,13 @@
           <a:p>
             <a:r>
               <a:rPr lang="en-US" dirty="0"/>
-              <a:t>The legend of the game. Game is played</a:t>
-            </a:r>
-          </a:p>
-          <a:p>
-            <a:r>
-              <a:rPr lang="en-US" dirty="0" err="1"/>
-              <a:t>Aswwer</a:t>
-            </a:r>
-            <a:r>
-              <a:rPr lang="en-US" dirty="0"/>
-              <a:t> </a:t>
-            </a:r>
-            <a:r>
-              <a:rPr lang="en-US"/>
-              <a:t>the git</a:t>
-            </a:r>
-            <a:endParaRPr lang="en-IN" dirty="0"/>
+              <a:t>The legend of </a:t>
+            </a:r>
+            <a:r>
+              <a:rPr lang="en-US"/>
+              <a:t>the gam</a:t>
+            </a:r>
+            <a:endParaRPr lang="en-US" dirty="0"/>
           </a:p>
         </p:txBody>
       </p:sp>

--- a/first.txt.pptx
+++ b/first.txt.pptx
@@ -3403,11 +3403,15 @@
           <a:p>
             <a:r>
               <a:rPr lang="en-US" dirty="0"/>
-              <a:t>The legend of </a:t>
-            </a:r>
-            <a:r>
-              <a:rPr lang="en-US"/>
-              <a:t>the gam</a:t>
+              <a:t>The legend of the </a:t>
+            </a:r>
+            <a:r>
+              <a:rPr lang="en-US" err="1"/>
+              <a:t>game</a:t>
+            </a:r>
+            <a:r>
+              <a:rPr lang="en-US"/>
+              <a:t>.God</a:t>
             </a:r>
             <a:endParaRPr lang="en-US" dirty="0"/>
           </a:p>

--- a/first.txt.pptx
+++ b/first.txt.pptx
@@ -261,7 +261,7 @@
           <a:p>
             <a:fld id="{4D811771-BF5B-464A-A939-1A5BA24D22AE}" type="datetimeFigureOut">
               <a:rPr lang="en-IN" smtClean="0"/>
-              <a:t>21-11-2023</a:t>
+              <a:t>22-11-2023</a:t>
             </a:fld>
             <a:endParaRPr lang="en-IN"/>
           </a:p>
@@ -461,7 +461,7 @@
           <a:p>
             <a:fld id="{4D811771-BF5B-464A-A939-1A5BA24D22AE}" type="datetimeFigureOut">
               <a:rPr lang="en-IN" smtClean="0"/>
-              <a:t>21-11-2023</a:t>
+              <a:t>22-11-2023</a:t>
             </a:fld>
             <a:endParaRPr lang="en-IN"/>
           </a:p>
@@ -671,7 +671,7 @@
           <a:p>
             <a:fld id="{4D811771-BF5B-464A-A939-1A5BA24D22AE}" type="datetimeFigureOut">
               <a:rPr lang="en-IN" smtClean="0"/>
-              <a:t>21-11-2023</a:t>
+              <a:t>22-11-2023</a:t>
             </a:fld>
             <a:endParaRPr lang="en-IN"/>
           </a:p>
@@ -871,7 +871,7 @@
           <a:p>
             <a:fld id="{4D811771-BF5B-464A-A939-1A5BA24D22AE}" type="datetimeFigureOut">
               <a:rPr lang="en-IN" smtClean="0"/>
-              <a:t>21-11-2023</a:t>
+              <a:t>22-11-2023</a:t>
             </a:fld>
             <a:endParaRPr lang="en-IN"/>
           </a:p>
@@ -1147,7 +1147,7 @@
           <a:p>
             <a:fld id="{4D811771-BF5B-464A-A939-1A5BA24D22AE}" type="datetimeFigureOut">
               <a:rPr lang="en-IN" smtClean="0"/>
-              <a:t>21-11-2023</a:t>
+              <a:t>22-11-2023</a:t>
             </a:fld>
             <a:endParaRPr lang="en-IN"/>
           </a:p>
@@ -1415,7 +1415,7 @@
           <a:p>
             <a:fld id="{4D811771-BF5B-464A-A939-1A5BA24D22AE}" type="datetimeFigureOut">
               <a:rPr lang="en-IN" smtClean="0"/>
-              <a:t>21-11-2023</a:t>
+              <a:t>22-11-2023</a:t>
             </a:fld>
             <a:endParaRPr lang="en-IN"/>
           </a:p>
@@ -1830,7 +1830,7 @@
           <a:p>
             <a:fld id="{4D811771-BF5B-464A-A939-1A5BA24D22AE}" type="datetimeFigureOut">
               <a:rPr lang="en-IN" smtClean="0"/>
-              <a:t>21-11-2023</a:t>
+              <a:t>22-11-2023</a:t>
             </a:fld>
             <a:endParaRPr lang="en-IN"/>
           </a:p>
@@ -1972,7 +1972,7 @@
           <a:p>
             <a:fld id="{4D811771-BF5B-464A-A939-1A5BA24D22AE}" type="datetimeFigureOut">
               <a:rPr lang="en-IN" smtClean="0"/>
-              <a:t>21-11-2023</a:t>
+              <a:t>22-11-2023</a:t>
             </a:fld>
             <a:endParaRPr lang="en-IN"/>
           </a:p>
@@ -2085,7 +2085,7 @@
           <a:p>
             <a:fld id="{4D811771-BF5B-464A-A939-1A5BA24D22AE}" type="datetimeFigureOut">
               <a:rPr lang="en-IN" smtClean="0"/>
-              <a:t>21-11-2023</a:t>
+              <a:t>22-11-2023</a:t>
             </a:fld>
             <a:endParaRPr lang="en-IN"/>
           </a:p>
@@ -2398,7 +2398,7 @@
           <a:p>
             <a:fld id="{4D811771-BF5B-464A-A939-1A5BA24D22AE}" type="datetimeFigureOut">
               <a:rPr lang="en-IN" smtClean="0"/>
-              <a:t>21-11-2023</a:t>
+              <a:t>22-11-2023</a:t>
             </a:fld>
             <a:endParaRPr lang="en-IN"/>
           </a:p>
@@ -2687,7 +2687,7 @@
           <a:p>
             <a:fld id="{4D811771-BF5B-464A-A939-1A5BA24D22AE}" type="datetimeFigureOut">
               <a:rPr lang="en-IN" smtClean="0"/>
-              <a:t>21-11-2023</a:t>
+              <a:t>22-11-2023</a:t>
             </a:fld>
             <a:endParaRPr lang="en-IN"/>
           </a:p>
@@ -2930,7 +2930,7 @@
           <a:p>
             <a:fld id="{4D811771-BF5B-464A-A939-1A5BA24D22AE}" type="datetimeFigureOut">
               <a:rPr lang="en-IN" smtClean="0"/>
-              <a:t>21-11-2023</a:t>
+              <a:t>22-11-2023</a:t>
             </a:fld>
             <a:endParaRPr lang="en-IN"/>
           </a:p>
@@ -3406,12 +3406,56 @@
               <a:t>The legend of the </a:t>
             </a:r>
             <a:r>
-              <a:rPr lang="en-US" err="1"/>
-              <a:t>game</a:t>
-            </a:r>
-            <a:r>
-              <a:rPr lang="en-US"/>
-              <a:t>.God</a:t>
+              <a:rPr lang="en-US" dirty="0" err="1"/>
+              <a:t>game.God</a:t>
+            </a:r>
+            <a:r>
+              <a:rPr lang="en-US" dirty="0"/>
+              <a:t> </a:t>
+            </a:r>
+            <a:r>
+              <a:rPr lang="en-US" dirty="0" err="1"/>
+              <a:t>wjwj</a:t>
+            </a:r>
+            <a:r>
+              <a:rPr lang="en-US" dirty="0"/>
+              <a:t> </a:t>
+            </a:r>
+            <a:r>
+              <a:rPr lang="en-US" dirty="0" err="1"/>
+              <a:t>wjw</a:t>
+            </a:r>
+            <a:r>
+              <a:rPr lang="en-US" dirty="0"/>
+              <a:t> </a:t>
+            </a:r>
+            <a:r>
+              <a:rPr lang="en-US" dirty="0" err="1"/>
+              <a:t>qq</a:t>
+            </a:r>
+            <a:r>
+              <a:rPr lang="en-US" dirty="0"/>
+              <a:t> </a:t>
+            </a:r>
+            <a:r>
+              <a:rPr lang="en-US" dirty="0" err="1"/>
+              <a:t>oama</a:t>
+            </a:r>
+            <a:r>
+              <a:rPr lang="en-US" dirty="0"/>
+              <a:t> </a:t>
+            </a:r>
+            <a:r>
+              <a:rPr lang="en-US" dirty="0" err="1"/>
+              <a:t>oaai</a:t>
+            </a:r>
+            <a:r>
+              <a:rPr lang="en-US" dirty="0"/>
+              <a:t> </a:t>
+            </a:r>
+            <a:r>
+              <a:rPr lang="en-US"/>
+              <a:t>ananam</a:t>
             </a:r>
             <a:endParaRPr lang="en-US" dirty="0"/>
           </a:p>

--- a/first.txt.pptx
+++ b/first.txt.pptx
@@ -261,7 +261,7 @@
           <a:p>
             <a:fld id="{4D811771-BF5B-464A-A939-1A5BA24D22AE}" type="datetimeFigureOut">
               <a:rPr lang="en-IN" smtClean="0"/>
-              <a:t>22-11-2023</a:t>
+              <a:t>23-11-2023</a:t>
             </a:fld>
             <a:endParaRPr lang="en-IN"/>
           </a:p>
@@ -461,7 +461,7 @@
           <a:p>
             <a:fld id="{4D811771-BF5B-464A-A939-1A5BA24D22AE}" type="datetimeFigureOut">
               <a:rPr lang="en-IN" smtClean="0"/>
-              <a:t>22-11-2023</a:t>
+              <a:t>23-11-2023</a:t>
             </a:fld>
             <a:endParaRPr lang="en-IN"/>
           </a:p>
@@ -671,7 +671,7 @@
           <a:p>
             <a:fld id="{4D811771-BF5B-464A-A939-1A5BA24D22AE}" type="datetimeFigureOut">
               <a:rPr lang="en-IN" smtClean="0"/>
-              <a:t>22-11-2023</a:t>
+              <a:t>23-11-2023</a:t>
             </a:fld>
             <a:endParaRPr lang="en-IN"/>
           </a:p>
@@ -871,7 +871,7 @@
           <a:p>
             <a:fld id="{4D811771-BF5B-464A-A939-1A5BA24D22AE}" type="datetimeFigureOut">
               <a:rPr lang="en-IN" smtClean="0"/>
-              <a:t>22-11-2023</a:t>
+              <a:t>23-11-2023</a:t>
             </a:fld>
             <a:endParaRPr lang="en-IN"/>
           </a:p>
@@ -1147,7 +1147,7 @@
           <a:p>
             <a:fld id="{4D811771-BF5B-464A-A939-1A5BA24D22AE}" type="datetimeFigureOut">
               <a:rPr lang="en-IN" smtClean="0"/>
-              <a:t>22-11-2023</a:t>
+              <a:t>23-11-2023</a:t>
             </a:fld>
             <a:endParaRPr lang="en-IN"/>
           </a:p>
@@ -1415,7 +1415,7 @@
           <a:p>
             <a:fld id="{4D811771-BF5B-464A-A939-1A5BA24D22AE}" type="datetimeFigureOut">
               <a:rPr lang="en-IN" smtClean="0"/>
-              <a:t>22-11-2023</a:t>
+              <a:t>23-11-2023</a:t>
             </a:fld>
             <a:endParaRPr lang="en-IN"/>
           </a:p>
@@ -1830,7 +1830,7 @@
           <a:p>
             <a:fld id="{4D811771-BF5B-464A-A939-1A5BA24D22AE}" type="datetimeFigureOut">
               <a:rPr lang="en-IN" smtClean="0"/>
-              <a:t>22-11-2023</a:t>
+              <a:t>23-11-2023</a:t>
             </a:fld>
             <a:endParaRPr lang="en-IN"/>
           </a:p>
@@ -1972,7 +1972,7 @@
           <a:p>
             <a:fld id="{4D811771-BF5B-464A-A939-1A5BA24D22AE}" type="datetimeFigureOut">
               <a:rPr lang="en-IN" smtClean="0"/>
-              <a:t>22-11-2023</a:t>
+              <a:t>23-11-2023</a:t>
             </a:fld>
             <a:endParaRPr lang="en-IN"/>
           </a:p>
@@ -2085,7 +2085,7 @@
           <a:p>
             <a:fld id="{4D811771-BF5B-464A-A939-1A5BA24D22AE}" type="datetimeFigureOut">
               <a:rPr lang="en-IN" smtClean="0"/>
-              <a:t>22-11-2023</a:t>
+              <a:t>23-11-2023</a:t>
             </a:fld>
             <a:endParaRPr lang="en-IN"/>
           </a:p>
@@ -2398,7 +2398,7 @@
           <a:p>
             <a:fld id="{4D811771-BF5B-464A-A939-1A5BA24D22AE}" type="datetimeFigureOut">
               <a:rPr lang="en-IN" smtClean="0"/>
-              <a:t>22-11-2023</a:t>
+              <a:t>23-11-2023</a:t>
             </a:fld>
             <a:endParaRPr lang="en-IN"/>
           </a:p>
@@ -2687,7 +2687,7 @@
           <a:p>
             <a:fld id="{4D811771-BF5B-464A-A939-1A5BA24D22AE}" type="datetimeFigureOut">
               <a:rPr lang="en-IN" smtClean="0"/>
-              <a:t>22-11-2023</a:t>
+              <a:t>23-11-2023</a:t>
             </a:fld>
             <a:endParaRPr lang="en-IN"/>
           </a:p>
@@ -2930,7 +2930,7 @@
           <a:p>
             <a:fld id="{4D811771-BF5B-464A-A939-1A5BA24D22AE}" type="datetimeFigureOut">
               <a:rPr lang="en-IN" smtClean="0"/>
-              <a:t>22-11-2023</a:t>
+              <a:t>23-11-2023</a:t>
             </a:fld>
             <a:endParaRPr lang="en-IN"/>
           </a:p>
@@ -3455,7 +3455,7 @@
             </a:r>
             <a:r>
               <a:rPr lang="en-US"/>
-              <a:t>ananam</a:t>
+              <a:t>ananamwwqqww</a:t>
             </a:r>
             <a:endParaRPr lang="en-US" dirty="0"/>
           </a:p>
